--- a/slides/ci_and_regression/ReFrame_CI.pptx
+++ b/slides/ci_and_regression/ReFrame_CI.pptx
@@ -267,7 +267,7 @@
           <a:p>
             <a:fld id="{07438C09-52C8-E244-A6D3-4B20B6F647FD}" type="datetimeFigureOut">
               <a:rPr lang="en-US" smtClean="0"/>
-              <a:t>9/7/18</a:t>
+              <a:t>9/11/18</a:t>
             </a:fld>
             <a:endParaRPr lang="en-US"/>
           </a:p>
@@ -433,7 +433,7 @@
           <a:p>
             <a:fld id="{F3C0BB2D-473E-4001-AEF2-40B6F6C8E08C}" type="datetimeFigureOut">
               <a:rPr lang="de-CH" smtClean="0"/>
-              <a:t>07.09.18</a:t>
+              <a:t>11.09.18</a:t>
             </a:fld>
             <a:endParaRPr lang="de-CH" dirty="0"/>
           </a:p>
@@ -7790,7 +7790,7 @@
           <a:p>
             <a:r>
               <a:rPr lang="en-US" dirty="0"/>
-              <a:t>Configuration steps</a:t>
+              <a:t>Configuration Steps</a:t>
             </a:r>
           </a:p>
         </p:txBody>
@@ -8149,7 +8149,7 @@
           <a:p>
             <a:r>
               <a:rPr lang="en-US" dirty="0"/>
-              <a:t>Code repository set-up</a:t>
+              <a:t>Code Repository Set-up</a:t>
             </a:r>
           </a:p>
         </p:txBody>
@@ -10985,7 +10985,7 @@
         <p:spPr/>
         <p:txBody>
           <a:bodyPr>
-            <a:normAutofit lnSpcReduction="10000"/>
+            <a:normAutofit/>
           </a:bodyPr>
           <a:lstStyle/>
           <a:p>
@@ -11035,7 +11035,7 @@
           <a:p>
             <a:r>
               <a:rPr lang="en-US" dirty="0"/>
-              <a:t>New features to come</a:t>
+              <a:t>Future directions</a:t>
             </a:r>
           </a:p>
           <a:p>
@@ -11048,33 +11048,26 @@
           <a:p>
             <a:pPr lvl="1"/>
             <a:r>
+              <a:rPr lang="en-US"/>
+              <a:t>Test </a:t>
+            </a:r>
+            <a:r>
               <a:rPr lang="en-US" dirty="0"/>
-              <a:t>Better integration with Jenkins</a:t>
+              <a:t>dependencies</a:t>
             </a:r>
           </a:p>
           <a:p>
             <a:pPr lvl="1"/>
             <a:r>
               <a:rPr lang="en-US" dirty="0"/>
-              <a:t>Frontend improvements</a:t>
+              <a:t>Support for containers</a:t>
             </a:r>
           </a:p>
           <a:p>
             <a:pPr lvl="1"/>
             <a:r>
               <a:rPr lang="en-US" dirty="0"/>
-              <a:t>Test dependencies</a:t>
-            </a:r>
-          </a:p>
-          <a:p>
-            <a:pPr lvl="1"/>
-            <a:r>
-              <a:rPr lang="en-US" dirty="0" err="1"/>
-              <a:t>RegressionTest</a:t>
-            </a:r>
-            <a:r>
-              <a:rPr lang="en-US" dirty="0"/>
-              <a:t> API improvements</a:t>
+              <a:t>Frontend and API improvements</a:t>
             </a:r>
           </a:p>
           <a:p>
@@ -11198,7 +11191,7 @@
           <a:p>
             <a:r>
               <a:rPr lang="en-US" dirty="0"/>
-              <a:t>Thank you for your attention</a:t>
+              <a:t>Thank you for your attention.</a:t>
             </a:r>
           </a:p>
         </p:txBody>
@@ -11887,7 +11880,9 @@
         </p:nvSpPr>
         <p:spPr/>
         <p:txBody>
-          <a:bodyPr/>
+          <a:bodyPr>
+            <a:normAutofit lnSpcReduction="10000"/>
+          </a:bodyPr>
           <a:lstStyle/>
           <a:p>
             <a:r>
@@ -11956,6 +11951,25 @@
               <a:rPr lang="en-US" dirty="0"/>
               <a:t>Clean internal APIs that allow the easy extension of the framework’s functionality</a:t>
             </a:r>
+          </a:p>
+          <a:p>
+            <a:r>
+              <a:rPr lang="en-US" dirty="0"/>
+              <a:t>... and more (</a:t>
+            </a:r>
+            <a:r>
+              <a:rPr lang="en-US" i="1" dirty="0">
+                <a:hlinkClick r:id="rId2"/>
+              </a:rPr>
+              <a:t>https://github.com/eth-cscs/reframe</a:t>
+            </a:r>
+            <a:r>
+              <a:rPr lang="en-US" dirty="0"/>
+              <a:t>)</a:t>
+            </a:r>
+          </a:p>
+          <a:p>
+            <a:endParaRPr lang="en-US" dirty="0"/>
           </a:p>
         </p:txBody>
       </p:sp>
@@ -12032,7 +12046,7 @@
 </file>
 
 <file path=ppt/slides/slide6.xml><?xml version="1.0" encoding="utf-8"?>
-<p:sld xmlns:a="http://schemas.openxmlformats.org/drawingml/2006/main" xmlns:r="http://schemas.openxmlformats.org/officeDocument/2006/relationships" xmlns:p="http://schemas.openxmlformats.org/presentationml/2006/main">
+<p:sld xmlns:a="http://schemas.openxmlformats.org/drawingml/2006/main" xmlns:r="http://schemas.openxmlformats.org/officeDocument/2006/relationships" xmlns:p="http://schemas.openxmlformats.org/presentationml/2006/main" show="0">
   <p:cSld>
     <p:spTree>
       <p:nvGrpSpPr>
